--- a/doc/DBJava_Ass04.pptx
+++ b/doc/DBJava_Ass04.pptx
@@ -5,7 +5,7 @@
     <p:sldMasterId id="2147483660" r:id="rId1"/>
   </p:sldMasterIdLst>
   <p:notesMasterIdLst>
-    <p:notesMasterId r:id="rId42"/>
+    <p:notesMasterId r:id="rId43"/>
   </p:notesMasterIdLst>
   <p:sldIdLst>
     <p:sldId id="256" r:id="rId2"/>
@@ -47,7 +47,8 @@
     <p:sldId id="285" r:id="rId38"/>
     <p:sldId id="286" r:id="rId39"/>
     <p:sldId id="281" r:id="rId40"/>
-    <p:sldId id="292" r:id="rId41"/>
+    <p:sldId id="299" r:id="rId41"/>
+    <p:sldId id="292" r:id="rId42"/>
   </p:sldIdLst>
   <p:sldSz cx="12192000" cy="6858000"/>
   <p:notesSz cx="6858000" cy="9144000"/>
@@ -236,7 +237,7 @@
           <a:p>
             <a:fld id="{76E54CC3-EBC7-4872-AD1B-E5E83C39E712}" type="datetimeFigureOut">
               <a:rPr lang="zh-CN" altLang="en-US" smtClean="0"/>
-              <a:t>2023/3/16</a:t>
+              <a:t>2023/3/17</a:t>
             </a:fld>
             <a:endParaRPr lang="zh-CN" altLang="en-US"/>
           </a:p>
@@ -599,6 +600,94 @@
 </p:notes>
 </file>
 
+<file path=ppt/notesSlides/notesSlide2.xml><?xml version="1.0" encoding="utf-8"?>
+<p:notes xmlns:a="http://schemas.openxmlformats.org/drawingml/2006/main" xmlns:r="http://schemas.openxmlformats.org/officeDocument/2006/relationships" xmlns:p="http://schemas.openxmlformats.org/presentationml/2006/main">
+  <p:cSld>
+    <p:spTree>
+      <p:nvGrpSpPr>
+        <p:cNvPr id="1" name=""/>
+        <p:cNvGrpSpPr/>
+        <p:nvPr/>
+      </p:nvGrpSpPr>
+      <p:grpSpPr>
+        <a:xfrm>
+          <a:off x="0" y="0"/>
+          <a:ext cx="0" cy="0"/>
+          <a:chOff x="0" y="0"/>
+          <a:chExt cx="0" cy="0"/>
+        </a:xfrm>
+      </p:grpSpPr>
+      <p:sp>
+        <p:nvSpPr>
+          <p:cNvPr id="2" name="幻灯片图像占位符 1"/>
+          <p:cNvSpPr>
+            <a:spLocks noGrp="1" noRot="1" noChangeAspect="1"/>
+          </p:cNvSpPr>
+          <p:nvPr>
+            <p:ph type="sldImg"/>
+          </p:nvPr>
+        </p:nvSpPr>
+        <p:spPr/>
+      </p:sp>
+      <p:sp>
+        <p:nvSpPr>
+          <p:cNvPr id="3" name="备注占位符 2"/>
+          <p:cNvSpPr>
+            <a:spLocks noGrp="1"/>
+          </p:cNvSpPr>
+          <p:nvPr>
+            <p:ph type="body" idx="1"/>
+          </p:nvPr>
+        </p:nvSpPr>
+        <p:spPr/>
+        <p:txBody>
+          <a:bodyPr/>
+          <a:lstStyle/>
+          <a:p>
+            <a:r>
+              <a:rPr lang="en-CA" altLang="zh-CN" dirty="0"/>
+              <a:t>Picture url: https://www.thefirsthomebuyersclub.co.nz/home-loan-pre-approval/</a:t>
+            </a:r>
+            <a:endParaRPr lang="zh-CN" altLang="en-US" dirty="0"/>
+          </a:p>
+        </p:txBody>
+      </p:sp>
+      <p:sp>
+        <p:nvSpPr>
+          <p:cNvPr id="4" name="灯片编号占位符 3"/>
+          <p:cNvSpPr>
+            <a:spLocks noGrp="1"/>
+          </p:cNvSpPr>
+          <p:nvPr>
+            <p:ph type="sldNum" sz="quarter" idx="5"/>
+          </p:nvPr>
+        </p:nvSpPr>
+        <p:spPr/>
+        <p:txBody>
+          <a:bodyPr/>
+          <a:lstStyle/>
+          <a:p>
+            <a:fld id="{B483A1FA-CAAC-47FE-84F4-C5AFB5C80E7B}" type="slidenum">
+              <a:rPr lang="zh-CN" altLang="en-US" smtClean="0"/>
+              <a:t>40</a:t>
+            </a:fld>
+            <a:endParaRPr lang="zh-CN" altLang="en-US"/>
+          </a:p>
+        </p:txBody>
+      </p:sp>
+    </p:spTree>
+    <p:extLst>
+      <p:ext uri="{BB962C8B-B14F-4D97-AF65-F5344CB8AC3E}">
+        <p14:creationId xmlns:p14="http://schemas.microsoft.com/office/powerpoint/2010/main" val="2489146013"/>
+      </p:ext>
+    </p:extLst>
+  </p:cSld>
+  <p:clrMapOvr>
+    <a:masterClrMapping/>
+  </p:clrMapOvr>
+</p:notes>
+</file>
+
 <file path=ppt/slideLayouts/slideLayout1.xml><?xml version="1.0" encoding="utf-8"?>
 <p:sldLayout xmlns:a="http://schemas.openxmlformats.org/drawingml/2006/main" xmlns:r="http://schemas.openxmlformats.org/officeDocument/2006/relationships" xmlns:p="http://schemas.openxmlformats.org/presentationml/2006/main" showMasterSp="0" type="title" preserve="1">
   <p:cSld name="标题幻灯片">
@@ -649,7 +738,7 @@
           <a:noFill/>
           <a:extLst>
             <a:ext uri="{909E8E84-426E-40dd-AFC4-6F175D3DCCD1}">
-              <a14:hiddenFill xmlns="" xmlns:a14="http://schemas.microsoft.com/office/drawing/2010/main">
+              <a14:hiddenFill xmlns:a14="http://schemas.microsoft.com/office/drawing/2010/main" xmlns="">
                 <a:solidFill>
                   <a:srgbClr val="FFFFFF"/>
                 </a:solidFill>
@@ -709,7 +798,7 @@
             </a:ln>
             <a:extLst>
               <a:ext uri="{91240B29-F687-4f45-9708-019B960494DF}">
-                <a14:hiddenLine xmlns="" xmlns:a14="http://schemas.microsoft.com/office/drawing/2010/main" w="9525">
+                <a14:hiddenLine xmlns:a14="http://schemas.microsoft.com/office/drawing/2010/main" xmlns="" w="9525">
                   <a:solidFill>
                     <a:srgbClr val="000000"/>
                   </a:solidFill>
@@ -799,7 +888,7 @@
             </a:ln>
             <a:extLst>
               <a:ext uri="{91240B29-F687-4f45-9708-019B960494DF}">
-                <a14:hiddenLine xmlns="" xmlns:a14="http://schemas.microsoft.com/office/drawing/2010/main" w="9525">
+                <a14:hiddenLine xmlns:a14="http://schemas.microsoft.com/office/drawing/2010/main" xmlns="" w="9525">
                   <a:solidFill>
                     <a:srgbClr val="000000"/>
                   </a:solidFill>
@@ -889,7 +978,7 @@
             </a:ln>
             <a:extLst>
               <a:ext uri="{91240B29-F687-4f45-9708-019B960494DF}">
-                <a14:hiddenLine xmlns="" xmlns:a14="http://schemas.microsoft.com/office/drawing/2010/main" w="9525">
+                <a14:hiddenLine xmlns:a14="http://schemas.microsoft.com/office/drawing/2010/main" xmlns="" w="9525">
                   <a:solidFill>
                     <a:srgbClr val="000000"/>
                   </a:solidFill>
@@ -923,7 +1012,7 @@
             </a:ln>
             <a:extLst>
               <a:ext uri="{91240B29-F687-4f45-9708-019B960494DF}">
-                <a14:hiddenLine xmlns="" xmlns:a14="http://schemas.microsoft.com/office/drawing/2010/main" w="9525">
+                <a14:hiddenLine xmlns:a14="http://schemas.microsoft.com/office/drawing/2010/main" xmlns="" w="9525">
                   <a:solidFill>
                     <a:srgbClr val="000000"/>
                   </a:solidFill>
@@ -1013,7 +1102,7 @@
             </a:ln>
             <a:extLst>
               <a:ext uri="{91240B29-F687-4f45-9708-019B960494DF}">
-                <a14:hiddenLine xmlns="" xmlns:a14="http://schemas.microsoft.com/office/drawing/2010/main" w="9525">
+                <a14:hiddenLine xmlns:a14="http://schemas.microsoft.com/office/drawing/2010/main" xmlns="" w="9525">
                   <a:solidFill>
                     <a:srgbClr val="000000"/>
                   </a:solidFill>
@@ -1075,7 +1164,7 @@
             </a:ln>
             <a:extLst>
               <a:ext uri="{91240B29-F687-4f45-9708-019B960494DF}">
-                <a14:hiddenLine xmlns="" xmlns:a14="http://schemas.microsoft.com/office/drawing/2010/main" w="9525">
+                <a14:hiddenLine xmlns:a14="http://schemas.microsoft.com/office/drawing/2010/main" xmlns="" w="9525">
                   <a:solidFill>
                     <a:srgbClr val="000000"/>
                   </a:solidFill>
@@ -1137,7 +1226,7 @@
             </a:ln>
             <a:extLst>
               <a:ext uri="{91240B29-F687-4f45-9708-019B960494DF}">
-                <a14:hiddenLine xmlns="" xmlns:a14="http://schemas.microsoft.com/office/drawing/2010/main" w="9525">
+                <a14:hiddenLine xmlns:a14="http://schemas.microsoft.com/office/drawing/2010/main" xmlns="" w="9525">
                   <a:solidFill>
                     <a:srgbClr val="000000"/>
                   </a:solidFill>
@@ -1227,7 +1316,7 @@
             </a:ln>
             <a:extLst>
               <a:ext uri="{91240B29-F687-4f45-9708-019B960494DF}">
-                <a14:hiddenLine xmlns="" xmlns:a14="http://schemas.microsoft.com/office/drawing/2010/main" w="9525">
+                <a14:hiddenLine xmlns:a14="http://schemas.microsoft.com/office/drawing/2010/main" xmlns="" w="9525">
                   <a:solidFill>
                     <a:srgbClr val="000000"/>
                   </a:solidFill>
@@ -1289,7 +1378,7 @@
             </a:ln>
             <a:extLst>
               <a:ext uri="{91240B29-F687-4f45-9708-019B960494DF}">
-                <a14:hiddenLine xmlns="" xmlns:a14="http://schemas.microsoft.com/office/drawing/2010/main" w="9525">
+                <a14:hiddenLine xmlns:a14="http://schemas.microsoft.com/office/drawing/2010/main" xmlns="" w="9525">
                   <a:solidFill>
                     <a:srgbClr val="000000"/>
                   </a:solidFill>
@@ -1351,7 +1440,7 @@
             </a:ln>
             <a:extLst>
               <a:ext uri="{91240B29-F687-4f45-9708-019B960494DF}">
-                <a14:hiddenLine xmlns="" xmlns:a14="http://schemas.microsoft.com/office/drawing/2010/main" w="9525">
+                <a14:hiddenLine xmlns:a14="http://schemas.microsoft.com/office/drawing/2010/main" xmlns="" w="9525">
                   <a:solidFill>
                     <a:srgbClr val="000000"/>
                   </a:solidFill>
@@ -1441,7 +1530,7 @@
             </a:ln>
             <a:extLst>
               <a:ext uri="{91240B29-F687-4f45-9708-019B960494DF}">
-                <a14:hiddenLine xmlns="" xmlns:a14="http://schemas.microsoft.com/office/drawing/2010/main" w="9525">
+                <a14:hiddenLine xmlns:a14="http://schemas.microsoft.com/office/drawing/2010/main" xmlns="" w="9525">
                   <a:solidFill>
                     <a:srgbClr val="000000"/>
                   </a:solidFill>
@@ -1531,7 +1620,7 @@
             </a:ln>
             <a:extLst>
               <a:ext uri="{91240B29-F687-4f45-9708-019B960494DF}">
-                <a14:hiddenLine xmlns="" xmlns:a14="http://schemas.microsoft.com/office/drawing/2010/main" w="9525">
+                <a14:hiddenLine xmlns:a14="http://schemas.microsoft.com/office/drawing/2010/main" xmlns="" w="9525">
                   <a:solidFill>
                     <a:srgbClr val="000000"/>
                   </a:solidFill>
@@ -1593,7 +1682,7 @@
             </a:ln>
             <a:extLst>
               <a:ext uri="{91240B29-F687-4f45-9708-019B960494DF}">
-                <a14:hiddenLine xmlns="" xmlns:a14="http://schemas.microsoft.com/office/drawing/2010/main" w="9525">
+                <a14:hiddenLine xmlns:a14="http://schemas.microsoft.com/office/drawing/2010/main" xmlns="" w="9525">
                   <a:solidFill>
                     <a:srgbClr val="000000"/>
                   </a:solidFill>
@@ -1703,7 +1792,7 @@
             </a:ln>
             <a:extLst>
               <a:ext uri="{91240B29-F687-4f45-9708-019B960494DF}">
-                <a14:hiddenLine xmlns="" xmlns:a14="http://schemas.microsoft.com/office/drawing/2010/main" w="9525">
+                <a14:hiddenLine xmlns:a14="http://schemas.microsoft.com/office/drawing/2010/main" xmlns="" w="9525">
                   <a:solidFill>
                     <a:srgbClr val="000000"/>
                   </a:solidFill>
@@ -1765,7 +1854,7 @@
             </a:ln>
             <a:extLst>
               <a:ext uri="{91240B29-F687-4f45-9708-019B960494DF}">
-                <a14:hiddenLine xmlns="" xmlns:a14="http://schemas.microsoft.com/office/drawing/2010/main" w="9525">
+                <a14:hiddenLine xmlns:a14="http://schemas.microsoft.com/office/drawing/2010/main" xmlns="" w="9525">
                   <a:solidFill>
                     <a:srgbClr val="000000"/>
                   </a:solidFill>
@@ -1855,7 +1944,7 @@
             </a:ln>
             <a:extLst>
               <a:ext uri="{91240B29-F687-4f45-9708-019B960494DF}">
-                <a14:hiddenLine xmlns="" xmlns:a14="http://schemas.microsoft.com/office/drawing/2010/main" w="9525">
+                <a14:hiddenLine xmlns:a14="http://schemas.microsoft.com/office/drawing/2010/main" xmlns="" w="9525">
                   <a:solidFill>
                     <a:srgbClr val="000000"/>
                   </a:solidFill>
@@ -1945,7 +2034,7 @@
             </a:ln>
             <a:extLst>
               <a:ext uri="{91240B29-F687-4f45-9708-019B960494DF}">
-                <a14:hiddenLine xmlns="" xmlns:a14="http://schemas.microsoft.com/office/drawing/2010/main" w="9525">
+                <a14:hiddenLine xmlns:a14="http://schemas.microsoft.com/office/drawing/2010/main" xmlns="" w="9525">
                   <a:solidFill>
                     <a:srgbClr val="000000"/>
                   </a:solidFill>
@@ -2007,7 +2096,7 @@
             </a:ln>
             <a:extLst>
               <a:ext uri="{91240B29-F687-4f45-9708-019B960494DF}">
-                <a14:hiddenLine xmlns="" xmlns:a14="http://schemas.microsoft.com/office/drawing/2010/main" w="9525">
+                <a14:hiddenLine xmlns:a14="http://schemas.microsoft.com/office/drawing/2010/main" xmlns="" w="9525">
                   <a:solidFill>
                     <a:srgbClr val="000000"/>
                   </a:solidFill>
@@ -2097,7 +2186,7 @@
             </a:ln>
             <a:extLst>
               <a:ext uri="{91240B29-F687-4f45-9708-019B960494DF}">
-                <a14:hiddenLine xmlns="" xmlns:a14="http://schemas.microsoft.com/office/drawing/2010/main" w="9525">
+                <a14:hiddenLine xmlns:a14="http://schemas.microsoft.com/office/drawing/2010/main" xmlns="" w="9525">
                   <a:solidFill>
                     <a:srgbClr val="000000"/>
                   </a:solidFill>
@@ -2187,7 +2276,7 @@
             </a:ln>
             <a:extLst>
               <a:ext uri="{91240B29-F687-4f45-9708-019B960494DF}">
-                <a14:hiddenLine xmlns="" xmlns:a14="http://schemas.microsoft.com/office/drawing/2010/main" w="9525">
+                <a14:hiddenLine xmlns:a14="http://schemas.microsoft.com/office/drawing/2010/main" xmlns="" w="9525">
                   <a:solidFill>
                     <a:srgbClr val="000000"/>
                   </a:solidFill>
@@ -2243,7 +2332,7 @@
             </a:ln>
             <a:extLst>
               <a:ext uri="{91240B29-F687-4f45-9708-019B960494DF}">
-                <a14:hiddenLine xmlns="" xmlns:a14="http://schemas.microsoft.com/office/drawing/2010/main" w="9525">
+                <a14:hiddenLine xmlns:a14="http://schemas.microsoft.com/office/drawing/2010/main" xmlns="" w="9525">
                   <a:solidFill>
                     <a:srgbClr val="000000"/>
                   </a:solidFill>
@@ -2333,7 +2422,7 @@
             </a:ln>
             <a:extLst>
               <a:ext uri="{91240B29-F687-4f45-9708-019B960494DF}">
-                <a14:hiddenLine xmlns="" xmlns:a14="http://schemas.microsoft.com/office/drawing/2010/main" w="9525">
+                <a14:hiddenLine xmlns:a14="http://schemas.microsoft.com/office/drawing/2010/main" xmlns="" w="9525">
                   <a:solidFill>
                     <a:srgbClr val="000000"/>
                   </a:solidFill>
@@ -2389,7 +2478,7 @@
             </a:ln>
             <a:extLst>
               <a:ext uri="{91240B29-F687-4f45-9708-019B960494DF}">
-                <a14:hiddenLine xmlns="" xmlns:a14="http://schemas.microsoft.com/office/drawing/2010/main" w="9525">
+                <a14:hiddenLine xmlns:a14="http://schemas.microsoft.com/office/drawing/2010/main" xmlns="" w="9525">
                   <a:solidFill>
                     <a:srgbClr val="000000"/>
                   </a:solidFill>
@@ -2479,7 +2568,7 @@
             </a:ln>
             <a:extLst>
               <a:ext uri="{91240B29-F687-4f45-9708-019B960494DF}">
-                <a14:hiddenLine xmlns="" xmlns:a14="http://schemas.microsoft.com/office/drawing/2010/main" w="9525">
+                <a14:hiddenLine xmlns:a14="http://schemas.microsoft.com/office/drawing/2010/main" xmlns="" w="9525">
                   <a:solidFill>
                     <a:srgbClr val="000000"/>
                   </a:solidFill>
@@ -2547,7 +2636,7 @@
             </a:ln>
             <a:extLst>
               <a:ext uri="{91240B29-F687-4f45-9708-019B960494DF}">
-                <a14:hiddenLine xmlns="" xmlns:a14="http://schemas.microsoft.com/office/drawing/2010/main" w="9525">
+                <a14:hiddenLine xmlns:a14="http://schemas.microsoft.com/office/drawing/2010/main" xmlns="" w="9525">
                   <a:solidFill>
                     <a:srgbClr val="000000"/>
                   </a:solidFill>
@@ -2637,7 +2726,7 @@
             </a:ln>
             <a:extLst>
               <a:ext uri="{91240B29-F687-4f45-9708-019B960494DF}">
-                <a14:hiddenLine xmlns="" xmlns:a14="http://schemas.microsoft.com/office/drawing/2010/main" w="9525">
+                <a14:hiddenLine xmlns:a14="http://schemas.microsoft.com/office/drawing/2010/main" xmlns="" w="9525">
                   <a:solidFill>
                     <a:srgbClr val="000000"/>
                   </a:solidFill>
@@ -2705,7 +2794,7 @@
             </a:ln>
             <a:extLst>
               <a:ext uri="{91240B29-F687-4f45-9708-019B960494DF}">
-                <a14:hiddenLine xmlns="" xmlns:a14="http://schemas.microsoft.com/office/drawing/2010/main" w="9525">
+                <a14:hiddenLine xmlns:a14="http://schemas.microsoft.com/office/drawing/2010/main" xmlns="" w="9525">
                   <a:solidFill>
                     <a:srgbClr val="000000"/>
                   </a:solidFill>
@@ -2795,7 +2884,7 @@
             </a:ln>
             <a:extLst>
               <a:ext uri="{91240B29-F687-4f45-9708-019B960494DF}">
-                <a14:hiddenLine xmlns="" xmlns:a14="http://schemas.microsoft.com/office/drawing/2010/main" w="9525">
+                <a14:hiddenLine xmlns:a14="http://schemas.microsoft.com/office/drawing/2010/main" xmlns="" w="9525">
                   <a:solidFill>
                     <a:srgbClr val="000000"/>
                   </a:solidFill>
@@ -2829,7 +2918,7 @@
             </a:ln>
             <a:extLst>
               <a:ext uri="{91240B29-F687-4f45-9708-019B960494DF}">
-                <a14:hiddenLine xmlns="" xmlns:a14="http://schemas.microsoft.com/office/drawing/2010/main" w="9525">
+                <a14:hiddenLine xmlns:a14="http://schemas.microsoft.com/office/drawing/2010/main" xmlns="" w="9525">
                   <a:solidFill>
                     <a:srgbClr val="000000"/>
                   </a:solidFill>
@@ -2919,7 +3008,7 @@
             </a:ln>
             <a:extLst>
               <a:ext uri="{91240B29-F687-4f45-9708-019B960494DF}">
-                <a14:hiddenLine xmlns="" xmlns:a14="http://schemas.microsoft.com/office/drawing/2010/main" w="9525">
+                <a14:hiddenLine xmlns:a14="http://schemas.microsoft.com/office/drawing/2010/main" xmlns="" w="9525">
                   <a:solidFill>
                     <a:srgbClr val="000000"/>
                   </a:solidFill>
@@ -2981,7 +3070,7 @@
             </a:ln>
             <a:extLst>
               <a:ext uri="{91240B29-F687-4f45-9708-019B960494DF}">
-                <a14:hiddenLine xmlns="" xmlns:a14="http://schemas.microsoft.com/office/drawing/2010/main" w="9525">
+                <a14:hiddenLine xmlns:a14="http://schemas.microsoft.com/office/drawing/2010/main" xmlns="" w="9525">
                   <a:solidFill>
                     <a:srgbClr val="000000"/>
                   </a:solidFill>
@@ -3043,7 +3132,7 @@
             </a:ln>
             <a:extLst>
               <a:ext uri="{91240B29-F687-4f45-9708-019B960494DF}">
-                <a14:hiddenLine xmlns="" xmlns:a14="http://schemas.microsoft.com/office/drawing/2010/main" w="9525">
+                <a14:hiddenLine xmlns:a14="http://schemas.microsoft.com/office/drawing/2010/main" xmlns="" w="9525">
                   <a:solidFill>
                     <a:srgbClr val="000000"/>
                   </a:solidFill>
@@ -3133,7 +3222,7 @@
             </a:ln>
             <a:extLst>
               <a:ext uri="{91240B29-F687-4f45-9708-019B960494DF}">
-                <a14:hiddenLine xmlns="" xmlns:a14="http://schemas.microsoft.com/office/drawing/2010/main" w="9525">
+                <a14:hiddenLine xmlns:a14="http://schemas.microsoft.com/office/drawing/2010/main" xmlns="" w="9525">
                   <a:solidFill>
                     <a:srgbClr val="000000"/>
                   </a:solidFill>
@@ -3201,7 +3290,7 @@
             </a:ln>
             <a:extLst>
               <a:ext uri="{91240B29-F687-4f45-9708-019B960494DF}">
-                <a14:hiddenLine xmlns="" xmlns:a14="http://schemas.microsoft.com/office/drawing/2010/main" w="9525">
+                <a14:hiddenLine xmlns:a14="http://schemas.microsoft.com/office/drawing/2010/main" xmlns="" w="9525">
                   <a:solidFill>
                     <a:srgbClr val="000000"/>
                   </a:solidFill>
@@ -3263,7 +3352,7 @@
             </a:ln>
             <a:extLst>
               <a:ext uri="{91240B29-F687-4f45-9708-019B960494DF}">
-                <a14:hiddenLine xmlns="" xmlns:a14="http://schemas.microsoft.com/office/drawing/2010/main" w="9525">
+                <a14:hiddenLine xmlns:a14="http://schemas.microsoft.com/office/drawing/2010/main" xmlns="" w="9525">
                   <a:solidFill>
                     <a:srgbClr val="000000"/>
                   </a:solidFill>
@@ -3353,7 +3442,7 @@
             </a:ln>
             <a:extLst>
               <a:ext uri="{91240B29-F687-4f45-9708-019B960494DF}">
-                <a14:hiddenLine xmlns="" xmlns:a14="http://schemas.microsoft.com/office/drawing/2010/main" w="9525">
+                <a14:hiddenLine xmlns:a14="http://schemas.microsoft.com/office/drawing/2010/main" xmlns="" w="9525">
                   <a:solidFill>
                     <a:srgbClr val="000000"/>
                   </a:solidFill>
@@ -3415,7 +3504,7 @@
             </a:ln>
             <a:extLst>
               <a:ext uri="{91240B29-F687-4f45-9708-019B960494DF}">
-                <a14:hiddenLine xmlns="" xmlns:a14="http://schemas.microsoft.com/office/drawing/2010/main" w="9525">
+                <a14:hiddenLine xmlns:a14="http://schemas.microsoft.com/office/drawing/2010/main" xmlns="" w="9525">
                   <a:solidFill>
                     <a:srgbClr val="000000"/>
                   </a:solidFill>
@@ -3505,7 +3594,7 @@
             </a:ln>
             <a:extLst>
               <a:ext uri="{91240B29-F687-4f45-9708-019B960494DF}">
-                <a14:hiddenLine xmlns="" xmlns:a14="http://schemas.microsoft.com/office/drawing/2010/main" w="9525">
+                <a14:hiddenLine xmlns:a14="http://schemas.microsoft.com/office/drawing/2010/main" xmlns="" w="9525">
                   <a:solidFill>
                     <a:srgbClr val="000000"/>
                   </a:solidFill>
@@ -3567,7 +3656,7 @@
             </a:ln>
             <a:extLst>
               <a:ext uri="{91240B29-F687-4f45-9708-019B960494DF}">
-                <a14:hiddenLine xmlns="" xmlns:a14="http://schemas.microsoft.com/office/drawing/2010/main" w="9525">
+                <a14:hiddenLine xmlns:a14="http://schemas.microsoft.com/office/drawing/2010/main" xmlns="" w="9525">
                   <a:solidFill>
                     <a:srgbClr val="000000"/>
                   </a:solidFill>
@@ -3657,7 +3746,7 @@
             </a:ln>
             <a:extLst>
               <a:ext uri="{91240B29-F687-4f45-9708-019B960494DF}">
-                <a14:hiddenLine xmlns="" xmlns:a14="http://schemas.microsoft.com/office/drawing/2010/main" w="9525">
+                <a14:hiddenLine xmlns:a14="http://schemas.microsoft.com/office/drawing/2010/main" xmlns="" w="9525">
                   <a:solidFill>
                     <a:srgbClr val="000000"/>
                   </a:solidFill>
@@ -3691,7 +3780,7 @@
             </a:ln>
             <a:extLst>
               <a:ext uri="{91240B29-F687-4f45-9708-019B960494DF}">
-                <a14:hiddenLine xmlns="" xmlns:a14="http://schemas.microsoft.com/office/drawing/2010/main" w="9525">
+                <a14:hiddenLine xmlns:a14="http://schemas.microsoft.com/office/drawing/2010/main" xmlns="" w="9525">
                   <a:solidFill>
                     <a:srgbClr val="000000"/>
                   </a:solidFill>
@@ -3756,7 +3845,7 @@
             </a:ln>
             <a:extLst>
               <a:ext uri="{91240B29-F687-4f45-9708-019B960494DF}">
-                <a14:hiddenLine xmlns="" xmlns:a14="http://schemas.microsoft.com/office/drawing/2010/main" w="9525">
+                <a14:hiddenLine xmlns:a14="http://schemas.microsoft.com/office/drawing/2010/main" xmlns="" w="9525">
                   <a:solidFill>
                     <a:srgbClr val="000000"/>
                   </a:solidFill>
@@ -3846,7 +3935,7 @@
             </a:ln>
             <a:extLst>
               <a:ext uri="{91240B29-F687-4f45-9708-019B960494DF}">
-                <a14:hiddenLine xmlns="" xmlns:a14="http://schemas.microsoft.com/office/drawing/2010/main" w="9525">
+                <a14:hiddenLine xmlns:a14="http://schemas.microsoft.com/office/drawing/2010/main" xmlns="" w="9525">
                   <a:solidFill>
                     <a:srgbClr val="000000"/>
                   </a:solidFill>
@@ -3908,7 +3997,7 @@
             </a:ln>
             <a:extLst>
               <a:ext uri="{91240B29-F687-4f45-9708-019B960494DF}">
-                <a14:hiddenLine xmlns="" xmlns:a14="http://schemas.microsoft.com/office/drawing/2010/main" w="9525">
+                <a14:hiddenLine xmlns:a14="http://schemas.microsoft.com/office/drawing/2010/main" xmlns="" w="9525">
                   <a:solidFill>
                     <a:srgbClr val="000000"/>
                   </a:solidFill>
@@ -3998,7 +4087,7 @@
             </a:ln>
             <a:extLst>
               <a:ext uri="{91240B29-F687-4f45-9708-019B960494DF}">
-                <a14:hiddenLine xmlns="" xmlns:a14="http://schemas.microsoft.com/office/drawing/2010/main" w="9525">
+                <a14:hiddenLine xmlns:a14="http://schemas.microsoft.com/office/drawing/2010/main" xmlns="" w="9525">
                   <a:solidFill>
                     <a:srgbClr val="000000"/>
                   </a:solidFill>
@@ -4088,7 +4177,7 @@
             </a:ln>
             <a:extLst>
               <a:ext uri="{91240B29-F687-4f45-9708-019B960494DF}">
-                <a14:hiddenLine xmlns="" xmlns:a14="http://schemas.microsoft.com/office/drawing/2010/main" w="9525">
+                <a14:hiddenLine xmlns:a14="http://schemas.microsoft.com/office/drawing/2010/main" xmlns="" w="9525">
                   <a:solidFill>
                     <a:srgbClr val="000000"/>
                   </a:solidFill>
@@ -4153,7 +4242,7 @@
             </a:ln>
             <a:extLst>
               <a:ext uri="{91240B29-F687-4f45-9708-019B960494DF}">
-                <a14:hiddenLine xmlns="" xmlns:a14="http://schemas.microsoft.com/office/drawing/2010/main" w="9525">
+                <a14:hiddenLine xmlns:a14="http://schemas.microsoft.com/office/drawing/2010/main" xmlns="" w="9525">
                   <a:solidFill>
                     <a:srgbClr val="000000"/>
                   </a:solidFill>
@@ -4215,7 +4304,7 @@
             </a:ln>
             <a:extLst>
               <a:ext uri="{91240B29-F687-4f45-9708-019B960494DF}">
-                <a14:hiddenLine xmlns="" xmlns:a14="http://schemas.microsoft.com/office/drawing/2010/main" w="9525">
+                <a14:hiddenLine xmlns:a14="http://schemas.microsoft.com/office/drawing/2010/main" xmlns="" w="9525">
                   <a:solidFill>
                     <a:srgbClr val="000000"/>
                   </a:solidFill>
@@ -4305,7 +4394,7 @@
             </a:ln>
             <a:extLst>
               <a:ext uri="{91240B29-F687-4f45-9708-019B960494DF}">
-                <a14:hiddenLine xmlns="" xmlns:a14="http://schemas.microsoft.com/office/drawing/2010/main" w="9525">
+                <a14:hiddenLine xmlns:a14="http://schemas.microsoft.com/office/drawing/2010/main" xmlns="" w="9525">
                   <a:solidFill>
                     <a:srgbClr val="000000"/>
                   </a:solidFill>
@@ -4395,7 +4484,7 @@
             </a:ln>
             <a:extLst>
               <a:ext uri="{91240B29-F687-4f45-9708-019B960494DF}">
-                <a14:hiddenLine xmlns="" xmlns:a14="http://schemas.microsoft.com/office/drawing/2010/main" w="9525">
+                <a14:hiddenLine xmlns:a14="http://schemas.microsoft.com/office/drawing/2010/main" xmlns="" w="9525">
                   <a:solidFill>
                     <a:srgbClr val="000000"/>
                   </a:solidFill>
@@ -4457,7 +4546,7 @@
             </a:ln>
             <a:extLst>
               <a:ext uri="{91240B29-F687-4f45-9708-019B960494DF}">
-                <a14:hiddenLine xmlns="" xmlns:a14="http://schemas.microsoft.com/office/drawing/2010/main" w="9525">
+                <a14:hiddenLine xmlns:a14="http://schemas.microsoft.com/office/drawing/2010/main" xmlns="" w="9525">
                   <a:solidFill>
                     <a:srgbClr val="000000"/>
                   </a:solidFill>
@@ -4577,7 +4666,7 @@
             </a:ln>
             <a:extLst>
               <a:ext uri="{91240B29-F687-4f45-9708-019B960494DF}">
-                <a14:hiddenLine xmlns="" xmlns:a14="http://schemas.microsoft.com/office/drawing/2010/main" w="9525">
+                <a14:hiddenLine xmlns:a14="http://schemas.microsoft.com/office/drawing/2010/main" xmlns="" w="9525">
                   <a:solidFill>
                     <a:srgbClr val="000000"/>
                   </a:solidFill>
@@ -4645,7 +4734,7 @@
             </a:ln>
             <a:extLst>
               <a:ext uri="{91240B29-F687-4f45-9708-019B960494DF}">
-                <a14:hiddenLine xmlns="" xmlns:a14="http://schemas.microsoft.com/office/drawing/2010/main" w="9525">
+                <a14:hiddenLine xmlns:a14="http://schemas.microsoft.com/office/drawing/2010/main" xmlns="" w="9525">
                   <a:solidFill>
                     <a:srgbClr val="000000"/>
                   </a:solidFill>
@@ -4735,7 +4824,7 @@
             </a:ln>
             <a:extLst>
               <a:ext uri="{91240B29-F687-4f45-9708-019B960494DF}">
-                <a14:hiddenLine xmlns="" xmlns:a14="http://schemas.microsoft.com/office/drawing/2010/main" w="9525">
+                <a14:hiddenLine xmlns:a14="http://schemas.microsoft.com/office/drawing/2010/main" xmlns="" w="9525">
                   <a:solidFill>
                     <a:srgbClr val="000000"/>
                   </a:solidFill>
@@ -4875,7 +4964,7 @@
           <a:p>
             <a:fld id="{5B27B87F-889C-4038-95E2-0117C2F76FC4}" type="datetimeFigureOut">
               <a:rPr lang="zh-CN" altLang="en-US" smtClean="0"/>
-              <a:t>2023/3/16</a:t>
+              <a:t>2023/3/17</a:t>
             </a:fld>
             <a:endParaRPr lang="zh-CN" altLang="en-US"/>
           </a:p>
@@ -5142,7 +5231,7 @@
           <a:p>
             <a:fld id="{5B27B87F-889C-4038-95E2-0117C2F76FC4}" type="datetimeFigureOut">
               <a:rPr lang="zh-CN" altLang="en-US" smtClean="0"/>
-              <a:t>2023/3/16</a:t>
+              <a:t>2023/3/17</a:t>
             </a:fld>
             <a:endParaRPr lang="zh-CN" altLang="en-US"/>
           </a:p>
@@ -5338,7 +5427,7 @@
           <a:p>
             <a:fld id="{5B27B87F-889C-4038-95E2-0117C2F76FC4}" type="datetimeFigureOut">
               <a:rPr lang="zh-CN" altLang="en-US" smtClean="0"/>
-              <a:t>2023/3/16</a:t>
+              <a:t>2023/3/17</a:t>
             </a:fld>
             <a:endParaRPr lang="zh-CN" altLang="en-US"/>
           </a:p>
@@ -5601,7 +5690,7 @@
           <a:p>
             <a:fld id="{5B27B87F-889C-4038-95E2-0117C2F76FC4}" type="datetimeFigureOut">
               <a:rPr lang="zh-CN" altLang="en-US" smtClean="0"/>
-              <a:t>2023/3/16</a:t>
+              <a:t>2023/3/17</a:t>
             </a:fld>
             <a:endParaRPr lang="zh-CN" altLang="en-US"/>
           </a:p>
@@ -6035,7 +6124,7 @@
           <a:p>
             <a:fld id="{5B27B87F-889C-4038-95E2-0117C2F76FC4}" type="datetimeFigureOut">
               <a:rPr lang="zh-CN" altLang="en-US" smtClean="0"/>
-              <a:t>2023/3/16</a:t>
+              <a:t>2023/3/17</a:t>
             </a:fld>
             <a:endParaRPr lang="zh-CN" altLang="en-US"/>
           </a:p>
@@ -6581,7 +6670,7 @@
           <a:p>
             <a:fld id="{5B27B87F-889C-4038-95E2-0117C2F76FC4}" type="datetimeFigureOut">
               <a:rPr lang="zh-CN" altLang="en-US" smtClean="0"/>
-              <a:t>2023/3/16</a:t>
+              <a:t>2023/3/17</a:t>
             </a:fld>
             <a:endParaRPr lang="zh-CN" altLang="en-US"/>
           </a:p>
@@ -7301,7 +7390,7 @@
           <a:p>
             <a:fld id="{5B27B87F-889C-4038-95E2-0117C2F76FC4}" type="datetimeFigureOut">
               <a:rPr lang="zh-CN" altLang="en-US" smtClean="0"/>
-              <a:t>2023/3/16</a:t>
+              <a:t>2023/3/17</a:t>
             </a:fld>
             <a:endParaRPr lang="zh-CN" altLang="en-US"/>
           </a:p>
@@ -7471,7 +7560,7 @@
           <a:p>
             <a:fld id="{5B27B87F-889C-4038-95E2-0117C2F76FC4}" type="datetimeFigureOut">
               <a:rPr lang="zh-CN" altLang="en-US" smtClean="0"/>
-              <a:t>2023/3/16</a:t>
+              <a:t>2023/3/17</a:t>
             </a:fld>
             <a:endParaRPr lang="zh-CN" altLang="en-US"/>
           </a:p>
@@ -7651,7 +7740,7 @@
           <a:p>
             <a:fld id="{5B27B87F-889C-4038-95E2-0117C2F76FC4}" type="datetimeFigureOut">
               <a:rPr lang="zh-CN" altLang="en-US" smtClean="0"/>
-              <a:t>2023/3/16</a:t>
+              <a:t>2023/3/17</a:t>
             </a:fld>
             <a:endParaRPr lang="zh-CN" altLang="en-US"/>
           </a:p>
@@ -7821,7 +7910,7 @@
           <a:p>
             <a:fld id="{5B27B87F-889C-4038-95E2-0117C2F76FC4}" type="datetimeFigureOut">
               <a:rPr lang="zh-CN" altLang="en-US" smtClean="0"/>
-              <a:t>2023/3/16</a:t>
+              <a:t>2023/3/17</a:t>
             </a:fld>
             <a:endParaRPr lang="zh-CN" altLang="en-US"/>
           </a:p>
@@ -8071,7 +8160,7 @@
           <a:p>
             <a:fld id="{5B27B87F-889C-4038-95E2-0117C2F76FC4}" type="datetimeFigureOut">
               <a:rPr lang="zh-CN" altLang="en-US" smtClean="0"/>
-              <a:t>2023/3/16</a:t>
+              <a:t>2023/3/17</a:t>
             </a:fld>
             <a:endParaRPr lang="zh-CN" altLang="en-US"/>
           </a:p>
@@ -8303,7 +8392,7 @@
           <a:p>
             <a:fld id="{5B27B87F-889C-4038-95E2-0117C2F76FC4}" type="datetimeFigureOut">
               <a:rPr lang="zh-CN" altLang="en-US" smtClean="0"/>
-              <a:t>2023/3/16</a:t>
+              <a:t>2023/3/17</a:t>
             </a:fld>
             <a:endParaRPr lang="zh-CN" altLang="en-US"/>
           </a:p>
@@ -8684,7 +8773,7 @@
           <a:p>
             <a:fld id="{5B27B87F-889C-4038-95E2-0117C2F76FC4}" type="datetimeFigureOut">
               <a:rPr lang="zh-CN" altLang="en-US" smtClean="0"/>
-              <a:t>2023/3/16</a:t>
+              <a:t>2023/3/17</a:t>
             </a:fld>
             <a:endParaRPr lang="zh-CN" altLang="en-US"/>
           </a:p>
@@ -8802,7 +8891,7 @@
           <a:p>
             <a:fld id="{5B27B87F-889C-4038-95E2-0117C2F76FC4}" type="datetimeFigureOut">
               <a:rPr lang="zh-CN" altLang="en-US" smtClean="0"/>
-              <a:t>2023/3/16</a:t>
+              <a:t>2023/3/17</a:t>
             </a:fld>
             <a:endParaRPr lang="zh-CN" altLang="en-US"/>
           </a:p>
@@ -8897,7 +8986,7 @@
           <a:p>
             <a:fld id="{5B27B87F-889C-4038-95E2-0117C2F76FC4}" type="datetimeFigureOut">
               <a:rPr lang="zh-CN" altLang="en-US" smtClean="0"/>
-              <a:t>2023/3/16</a:t>
+              <a:t>2023/3/17</a:t>
             </a:fld>
             <a:endParaRPr lang="zh-CN" altLang="en-US"/>
           </a:p>
@@ -9146,7 +9235,7 @@
           <a:p>
             <a:fld id="{5B27B87F-889C-4038-95E2-0117C2F76FC4}" type="datetimeFigureOut">
               <a:rPr lang="zh-CN" altLang="en-US" smtClean="0"/>
-              <a:t>2023/3/16</a:t>
+              <a:t>2023/3/17</a:t>
             </a:fld>
             <a:endParaRPr lang="zh-CN" altLang="en-US"/>
           </a:p>
@@ -9426,7 +9515,7 @@
           <a:p>
             <a:fld id="{5B27B87F-889C-4038-95E2-0117C2F76FC4}" type="datetimeFigureOut">
               <a:rPr lang="zh-CN" altLang="en-US" smtClean="0"/>
-              <a:t>2023/3/16</a:t>
+              <a:t>2023/3/17</a:t>
             </a:fld>
             <a:endParaRPr lang="zh-CN" altLang="en-US"/>
           </a:p>
@@ -9542,7 +9631,7 @@
           <a:noFill/>
           <a:extLst>
             <a:ext uri="{909E8E84-426E-40dd-AFC4-6F175D3DCCD1}">
-              <a14:hiddenFill xmlns="" xmlns:a14="http://schemas.microsoft.com/office/drawing/2010/main">
+              <a14:hiddenFill xmlns:a14="http://schemas.microsoft.com/office/drawing/2010/main" xmlns="">
                 <a:solidFill>
                   <a:srgbClr val="FFFFFF"/>
                 </a:solidFill>
@@ -9616,7 +9705,7 @@
               </a:ln>
               <a:extLst>
                 <a:ext uri="{91240B29-F687-4f45-9708-019B960494DF}">
-                  <a14:hiddenLine xmlns="" xmlns:a14="http://schemas.microsoft.com/office/drawing/2010/main" w="9525">
+                  <a14:hiddenLine xmlns:a14="http://schemas.microsoft.com/office/drawing/2010/main" xmlns="" w="9525">
                     <a:solidFill>
                       <a:srgbClr val="000000"/>
                     </a:solidFill>
@@ -9706,7 +9795,7 @@
               </a:ln>
               <a:extLst>
                 <a:ext uri="{91240B29-F687-4f45-9708-019B960494DF}">
-                  <a14:hiddenLine xmlns="" xmlns:a14="http://schemas.microsoft.com/office/drawing/2010/main" w="9525">
+                  <a14:hiddenLine xmlns:a14="http://schemas.microsoft.com/office/drawing/2010/main" xmlns="" w="9525">
                     <a:solidFill>
                       <a:srgbClr val="000000"/>
                     </a:solidFill>
@@ -9796,7 +9885,7 @@
               </a:ln>
               <a:extLst>
                 <a:ext uri="{91240B29-F687-4f45-9708-019B960494DF}">
-                  <a14:hiddenLine xmlns="" xmlns:a14="http://schemas.microsoft.com/office/drawing/2010/main" w="9525">
+                  <a14:hiddenLine xmlns:a14="http://schemas.microsoft.com/office/drawing/2010/main" xmlns="" w="9525">
                     <a:solidFill>
                       <a:srgbClr val="000000"/>
                     </a:solidFill>
@@ -9858,7 +9947,7 @@
               </a:ln>
               <a:extLst>
                 <a:ext uri="{91240B29-F687-4f45-9708-019B960494DF}">
-                  <a14:hiddenLine xmlns="" xmlns:a14="http://schemas.microsoft.com/office/drawing/2010/main" w="9525">
+                  <a14:hiddenLine xmlns:a14="http://schemas.microsoft.com/office/drawing/2010/main" xmlns="" w="9525">
                     <a:solidFill>
                       <a:srgbClr val="000000"/>
                     </a:solidFill>
@@ -9948,7 +10037,7 @@
               </a:ln>
               <a:extLst>
                 <a:ext uri="{91240B29-F687-4f45-9708-019B960494DF}">
-                  <a14:hiddenLine xmlns="" xmlns:a14="http://schemas.microsoft.com/office/drawing/2010/main" w="9525">
+                  <a14:hiddenLine xmlns:a14="http://schemas.microsoft.com/office/drawing/2010/main" xmlns="" w="9525">
                     <a:solidFill>
                       <a:srgbClr val="000000"/>
                     </a:solidFill>
@@ -10010,7 +10099,7 @@
               </a:ln>
               <a:extLst>
                 <a:ext uri="{91240B29-F687-4f45-9708-019B960494DF}">
-                  <a14:hiddenLine xmlns="" xmlns:a14="http://schemas.microsoft.com/office/drawing/2010/main" w="9525">
+                  <a14:hiddenLine xmlns:a14="http://schemas.microsoft.com/office/drawing/2010/main" xmlns="" w="9525">
                     <a:solidFill>
                       <a:srgbClr val="000000"/>
                     </a:solidFill>
@@ -10072,7 +10161,7 @@
               </a:ln>
               <a:extLst>
                 <a:ext uri="{91240B29-F687-4f45-9708-019B960494DF}">
-                  <a14:hiddenLine xmlns="" xmlns:a14="http://schemas.microsoft.com/office/drawing/2010/main" w="9525">
+                  <a14:hiddenLine xmlns:a14="http://schemas.microsoft.com/office/drawing/2010/main" xmlns="" w="9525">
                     <a:solidFill>
                       <a:srgbClr val="000000"/>
                     </a:solidFill>
@@ -10162,7 +10251,7 @@
               </a:ln>
               <a:extLst>
                 <a:ext uri="{91240B29-F687-4f45-9708-019B960494DF}">
-                  <a14:hiddenLine xmlns="" xmlns:a14="http://schemas.microsoft.com/office/drawing/2010/main" w="9525">
+                  <a14:hiddenLine xmlns:a14="http://schemas.microsoft.com/office/drawing/2010/main" xmlns="" w="9525">
                     <a:solidFill>
                       <a:srgbClr val="000000"/>
                     </a:solidFill>
@@ -10252,7 +10341,7 @@
               </a:ln>
               <a:extLst>
                 <a:ext uri="{91240B29-F687-4f45-9708-019B960494DF}">
-                  <a14:hiddenLine xmlns="" xmlns:a14="http://schemas.microsoft.com/office/drawing/2010/main" w="9525">
+                  <a14:hiddenLine xmlns:a14="http://schemas.microsoft.com/office/drawing/2010/main" xmlns="" w="9525">
                     <a:solidFill>
                       <a:srgbClr val="000000"/>
                     </a:solidFill>
@@ -10314,7 +10403,7 @@
               </a:ln>
               <a:extLst>
                 <a:ext uri="{91240B29-F687-4f45-9708-019B960494DF}">
-                  <a14:hiddenLine xmlns="" xmlns:a14="http://schemas.microsoft.com/office/drawing/2010/main" w="9525">
+                  <a14:hiddenLine xmlns:a14="http://schemas.microsoft.com/office/drawing/2010/main" xmlns="" w="9525">
                     <a:solidFill>
                       <a:srgbClr val="000000"/>
                     </a:solidFill>
@@ -10424,7 +10513,7 @@
               </a:ln>
               <a:extLst>
                 <a:ext uri="{91240B29-F687-4f45-9708-019B960494DF}">
-                  <a14:hiddenLine xmlns="" xmlns:a14="http://schemas.microsoft.com/office/drawing/2010/main" w="9525">
+                  <a14:hiddenLine xmlns:a14="http://schemas.microsoft.com/office/drawing/2010/main" xmlns="" w="9525">
                     <a:solidFill>
                       <a:srgbClr val="000000"/>
                     </a:solidFill>
@@ -10508,7 +10597,7 @@
               </a:ln>
               <a:extLst>
                 <a:ext uri="{91240B29-F687-4f45-9708-019B960494DF}">
-                  <a14:hiddenLine xmlns="" xmlns:a14="http://schemas.microsoft.com/office/drawing/2010/main" w="9525">
+                  <a14:hiddenLine xmlns:a14="http://schemas.microsoft.com/office/drawing/2010/main" xmlns="" w="9525">
                     <a:solidFill>
                       <a:srgbClr val="000000"/>
                     </a:solidFill>
@@ -10570,7 +10659,7 @@
               </a:ln>
               <a:extLst>
                 <a:ext uri="{91240B29-F687-4f45-9708-019B960494DF}">
-                  <a14:hiddenLine xmlns="" xmlns:a14="http://schemas.microsoft.com/office/drawing/2010/main" w="9525">
+                  <a14:hiddenLine xmlns:a14="http://schemas.microsoft.com/office/drawing/2010/main" xmlns="" w="9525">
                     <a:solidFill>
                       <a:srgbClr val="000000"/>
                     </a:solidFill>
@@ -10632,7 +10721,7 @@
               </a:ln>
               <a:extLst>
                 <a:ext uri="{91240B29-F687-4f45-9708-019B960494DF}">
-                  <a14:hiddenLine xmlns="" xmlns:a14="http://schemas.microsoft.com/office/drawing/2010/main" w="9525">
+                  <a14:hiddenLine xmlns:a14="http://schemas.microsoft.com/office/drawing/2010/main" xmlns="" w="9525">
                     <a:solidFill>
                       <a:srgbClr val="000000"/>
                     </a:solidFill>
@@ -10722,7 +10811,7 @@
               </a:ln>
               <a:extLst>
                 <a:ext uri="{91240B29-F687-4f45-9708-019B960494DF}">
-                  <a14:hiddenLine xmlns="" xmlns:a14="http://schemas.microsoft.com/office/drawing/2010/main" w="9525">
+                  <a14:hiddenLine xmlns:a14="http://schemas.microsoft.com/office/drawing/2010/main" xmlns="" w="9525">
                     <a:solidFill>
                       <a:srgbClr val="000000"/>
                     </a:solidFill>
@@ -10756,7 +10845,7 @@
               </a:ln>
               <a:extLst>
                 <a:ext uri="{91240B29-F687-4f45-9708-019B960494DF}">
-                  <a14:hiddenLine xmlns="" xmlns:a14="http://schemas.microsoft.com/office/drawing/2010/main" w="9525">
+                  <a14:hiddenLine xmlns:a14="http://schemas.microsoft.com/office/drawing/2010/main" xmlns="" w="9525">
                     <a:solidFill>
                       <a:srgbClr val="000000"/>
                     </a:solidFill>
@@ -10821,7 +10910,7 @@
               </a:ln>
               <a:extLst>
                 <a:ext uri="{91240B29-F687-4f45-9708-019B960494DF}">
-                  <a14:hiddenLine xmlns="" xmlns:a14="http://schemas.microsoft.com/office/drawing/2010/main" w="9525">
+                  <a14:hiddenLine xmlns:a14="http://schemas.microsoft.com/office/drawing/2010/main" xmlns="" w="9525">
                     <a:solidFill>
                       <a:srgbClr val="000000"/>
                     </a:solidFill>
@@ -10911,7 +11000,7 @@
               </a:ln>
               <a:extLst>
                 <a:ext uri="{91240B29-F687-4f45-9708-019B960494DF}">
-                  <a14:hiddenLine xmlns="" xmlns:a14="http://schemas.microsoft.com/office/drawing/2010/main" w="9525">
+                  <a14:hiddenLine xmlns:a14="http://schemas.microsoft.com/office/drawing/2010/main" xmlns="" w="9525">
                     <a:solidFill>
                       <a:srgbClr val="000000"/>
                     </a:solidFill>
@@ -10973,7 +11062,7 @@
               </a:ln>
               <a:extLst>
                 <a:ext uri="{91240B29-F687-4f45-9708-019B960494DF}">
-                  <a14:hiddenLine xmlns="" xmlns:a14="http://schemas.microsoft.com/office/drawing/2010/main" w="9525">
+                  <a14:hiddenLine xmlns:a14="http://schemas.microsoft.com/office/drawing/2010/main" xmlns="" w="9525">
                     <a:solidFill>
                       <a:srgbClr val="000000"/>
                     </a:solidFill>
@@ -11063,7 +11152,7 @@
               </a:ln>
               <a:extLst>
                 <a:ext uri="{91240B29-F687-4f45-9708-019B960494DF}">
-                  <a14:hiddenLine xmlns="" xmlns:a14="http://schemas.microsoft.com/office/drawing/2010/main" w="9525">
+                  <a14:hiddenLine xmlns:a14="http://schemas.microsoft.com/office/drawing/2010/main" xmlns="" w="9525">
                     <a:solidFill>
                       <a:srgbClr val="000000"/>
                     </a:solidFill>
@@ -11128,7 +11217,7 @@
               </a:ln>
               <a:extLst>
                 <a:ext uri="{91240B29-F687-4f45-9708-019B960494DF}">
-                  <a14:hiddenLine xmlns="" xmlns:a14="http://schemas.microsoft.com/office/drawing/2010/main" w="9525">
+                  <a14:hiddenLine xmlns:a14="http://schemas.microsoft.com/office/drawing/2010/main" xmlns="" w="9525">
                     <a:solidFill>
                       <a:srgbClr val="000000"/>
                     </a:solidFill>
@@ -11190,7 +11279,7 @@
               </a:ln>
               <a:extLst>
                 <a:ext uri="{91240B29-F687-4f45-9708-019B960494DF}">
-                  <a14:hiddenLine xmlns="" xmlns:a14="http://schemas.microsoft.com/office/drawing/2010/main" w="9525">
+                  <a14:hiddenLine xmlns:a14="http://schemas.microsoft.com/office/drawing/2010/main" xmlns="" w="9525">
                     <a:solidFill>
                       <a:srgbClr val="000000"/>
                     </a:solidFill>
@@ -11280,7 +11369,7 @@
               </a:ln>
               <a:extLst>
                 <a:ext uri="{91240B29-F687-4f45-9708-019B960494DF}">
-                  <a14:hiddenLine xmlns="" xmlns:a14="http://schemas.microsoft.com/office/drawing/2010/main" w="9525">
+                  <a14:hiddenLine xmlns:a14="http://schemas.microsoft.com/office/drawing/2010/main" xmlns="" w="9525">
                     <a:solidFill>
                       <a:srgbClr val="000000"/>
                     </a:solidFill>
@@ -11370,7 +11459,7 @@
               </a:ln>
               <a:extLst>
                 <a:ext uri="{91240B29-F687-4f45-9708-019B960494DF}">
-                  <a14:hiddenLine xmlns="" xmlns:a14="http://schemas.microsoft.com/office/drawing/2010/main" w="9525">
+                  <a14:hiddenLine xmlns:a14="http://schemas.microsoft.com/office/drawing/2010/main" xmlns="" w="9525">
                     <a:solidFill>
                       <a:srgbClr val="000000"/>
                     </a:solidFill>
@@ -11435,7 +11524,7 @@
               </a:ln>
               <a:extLst>
                 <a:ext uri="{91240B29-F687-4f45-9708-019B960494DF}">
-                  <a14:hiddenLine xmlns="" xmlns:a14="http://schemas.microsoft.com/office/drawing/2010/main" w="9525">
+                  <a14:hiddenLine xmlns:a14="http://schemas.microsoft.com/office/drawing/2010/main" xmlns="" w="9525">
                     <a:solidFill>
                       <a:srgbClr val="000000"/>
                     </a:solidFill>
@@ -11555,7 +11644,7 @@
               </a:ln>
               <a:extLst>
                 <a:ext uri="{91240B29-F687-4f45-9708-019B960494DF}">
-                  <a14:hiddenLine xmlns="" xmlns:a14="http://schemas.microsoft.com/office/drawing/2010/main" w="9525">
+                  <a14:hiddenLine xmlns:a14="http://schemas.microsoft.com/office/drawing/2010/main" xmlns="" w="9525">
                     <a:solidFill>
                       <a:srgbClr val="000000"/>
                     </a:solidFill>
@@ -11653,7 +11742,7 @@
               </a:ln>
               <a:extLst>
                 <a:ext uri="{91240B29-F687-4f45-9708-019B960494DF}">
-                  <a14:hiddenLine xmlns="" xmlns:a14="http://schemas.microsoft.com/office/drawing/2010/main" w="9525">
+                  <a14:hiddenLine xmlns:a14="http://schemas.microsoft.com/office/drawing/2010/main" xmlns="" w="9525">
                     <a:solidFill>
                       <a:srgbClr val="000000"/>
                     </a:solidFill>
@@ -11768,7 +11857,7 @@
               </a:ln>
               <a:extLst>
                 <a:ext uri="{91240B29-F687-4f45-9708-019B960494DF}">
-                  <a14:hiddenLine xmlns="" xmlns:a14="http://schemas.microsoft.com/office/drawing/2010/main" w="9525">
+                  <a14:hiddenLine xmlns:a14="http://schemas.microsoft.com/office/drawing/2010/main" xmlns="" w="9525">
                     <a:solidFill>
                       <a:srgbClr val="000000"/>
                     </a:solidFill>
@@ -11858,7 +11947,7 @@
               </a:ln>
               <a:extLst>
                 <a:ext uri="{91240B29-F687-4f45-9708-019B960494DF}">
-                  <a14:hiddenLine xmlns="" xmlns:a14="http://schemas.microsoft.com/office/drawing/2010/main" w="9525">
+                  <a14:hiddenLine xmlns:a14="http://schemas.microsoft.com/office/drawing/2010/main" xmlns="" w="9525">
                     <a:solidFill>
                       <a:srgbClr val="000000"/>
                     </a:solidFill>
@@ -11923,7 +12012,7 @@
               </a:ln>
               <a:extLst>
                 <a:ext uri="{91240B29-F687-4f45-9708-019B960494DF}">
-                  <a14:hiddenLine xmlns="" xmlns:a14="http://schemas.microsoft.com/office/drawing/2010/main" w="9525">
+                  <a14:hiddenLine xmlns:a14="http://schemas.microsoft.com/office/drawing/2010/main" xmlns="" w="9525">
                     <a:solidFill>
                       <a:srgbClr val="000000"/>
                     </a:solidFill>
@@ -12013,7 +12102,7 @@
               </a:ln>
               <a:extLst>
                 <a:ext uri="{91240B29-F687-4f45-9708-019B960494DF}">
-                  <a14:hiddenLine xmlns="" xmlns:a14="http://schemas.microsoft.com/office/drawing/2010/main" w="9525">
+                  <a14:hiddenLine xmlns:a14="http://schemas.microsoft.com/office/drawing/2010/main" xmlns="" w="9525">
                     <a:solidFill>
                       <a:srgbClr val="000000"/>
                     </a:solidFill>
@@ -12081,7 +12170,7 @@
               </a:ln>
               <a:extLst>
                 <a:ext uri="{91240B29-F687-4f45-9708-019B960494DF}">
-                  <a14:hiddenLine xmlns="" xmlns:a14="http://schemas.microsoft.com/office/drawing/2010/main" w="9525">
+                  <a14:hiddenLine xmlns:a14="http://schemas.microsoft.com/office/drawing/2010/main" xmlns="" w="9525">
                     <a:solidFill>
                       <a:srgbClr val="000000"/>
                     </a:solidFill>
@@ -12171,7 +12260,7 @@
               </a:ln>
               <a:extLst>
                 <a:ext uri="{91240B29-F687-4f45-9708-019B960494DF}">
-                  <a14:hiddenLine xmlns="" xmlns:a14="http://schemas.microsoft.com/office/drawing/2010/main" w="9525">
+                  <a14:hiddenLine xmlns:a14="http://schemas.microsoft.com/office/drawing/2010/main" xmlns="" w="9525">
                     <a:solidFill>
                       <a:srgbClr val="000000"/>
                     </a:solidFill>
@@ -12239,7 +12328,7 @@
               </a:ln>
               <a:extLst>
                 <a:ext uri="{91240B29-F687-4f45-9708-019B960494DF}">
-                  <a14:hiddenLine xmlns="" xmlns:a14="http://schemas.microsoft.com/office/drawing/2010/main" w="9525">
+                  <a14:hiddenLine xmlns:a14="http://schemas.microsoft.com/office/drawing/2010/main" xmlns="" w="9525">
                     <a:solidFill>
                       <a:srgbClr val="000000"/>
                     </a:solidFill>
@@ -12329,7 +12418,7 @@
               </a:ln>
               <a:extLst>
                 <a:ext uri="{91240B29-F687-4f45-9708-019B960494DF}">
-                  <a14:hiddenLine xmlns="" xmlns:a14="http://schemas.microsoft.com/office/drawing/2010/main" w="9525">
+                  <a14:hiddenLine xmlns:a14="http://schemas.microsoft.com/office/drawing/2010/main" xmlns="" w="9525">
                     <a:solidFill>
                       <a:srgbClr val="000000"/>
                     </a:solidFill>
@@ -12363,7 +12452,7 @@
               </a:ln>
               <a:extLst>
                 <a:ext uri="{91240B29-F687-4f45-9708-019B960494DF}">
-                  <a14:hiddenLine xmlns="" xmlns:a14="http://schemas.microsoft.com/office/drawing/2010/main" w="9525">
+                  <a14:hiddenLine xmlns:a14="http://schemas.microsoft.com/office/drawing/2010/main" xmlns="" w="9525">
                     <a:solidFill>
                       <a:srgbClr val="000000"/>
                     </a:solidFill>
@@ -12503,7 +12592,7 @@
           <a:p>
             <a:fld id="{5B27B87F-889C-4038-95E2-0117C2F76FC4}" type="datetimeFigureOut">
               <a:rPr lang="zh-CN" altLang="en-US" smtClean="0"/>
-              <a:t>2023/3/16</a:t>
+              <a:t>2023/3/17</a:t>
             </a:fld>
             <a:endParaRPr lang="zh-CN" altLang="en-US"/>
           </a:p>
@@ -15620,7 +15709,27 @@
                   </a:schemeClr>
                 </a:solidFill>
               </a:rPr>
-              <a:t>Files conflicts of each development iteration cost debut time.</a:t>
+              <a:t>Files conflicts of each development iteration </a:t>
+            </a:r>
+            <a:r>
+              <a:rPr lang="en-US" altLang="zh-CN">
+                <a:solidFill>
+                  <a:schemeClr val="bg2">
+                    <a:lumMod val="75000"/>
+                  </a:schemeClr>
+                </a:solidFill>
+              </a:rPr>
+              <a:t>cost debug </a:t>
+            </a:r>
+            <a:r>
+              <a:rPr lang="en-US" altLang="zh-CN" dirty="0">
+                <a:solidFill>
+                  <a:schemeClr val="bg2">
+                    <a:lumMod val="75000"/>
+                  </a:schemeClr>
+                </a:solidFill>
+              </a:rPr>
+              <a:t>time.</a:t>
             </a:r>
           </a:p>
           <a:p>
@@ -20815,6 +20924,365 @@
 </file>
 
 <file path=ppt/slides/slide40.xml><?xml version="1.0" encoding="utf-8"?>
+<p:sld xmlns:a="http://schemas.openxmlformats.org/drawingml/2006/main" xmlns:r="http://schemas.openxmlformats.org/officeDocument/2006/relationships" xmlns:p="http://schemas.openxmlformats.org/presentationml/2006/main">
+  <p:cSld>
+    <p:spTree>
+      <p:nvGrpSpPr>
+        <p:cNvPr id="1" name=""/>
+        <p:cNvGrpSpPr/>
+        <p:nvPr/>
+      </p:nvGrpSpPr>
+      <p:grpSpPr>
+        <a:xfrm>
+          <a:off x="0" y="0"/>
+          <a:ext cx="0" cy="0"/>
+          <a:chOff x="0" y="0"/>
+          <a:chExt cx="0" cy="0"/>
+        </a:xfrm>
+      </p:grpSpPr>
+      <p:sp>
+        <p:nvSpPr>
+          <p:cNvPr id="2" name="标题 1">
+            <a:extLst>
+              <a:ext uri="{FF2B5EF4-FFF2-40B4-BE49-F238E27FC236}">
+                <a16:creationId xmlns:a16="http://schemas.microsoft.com/office/drawing/2014/main" id="{E1A1B09A-18A8-74DD-2AA7-031C6283CA9A}"/>
+              </a:ext>
+            </a:extLst>
+          </p:cNvPr>
+          <p:cNvSpPr>
+            <a:spLocks noGrp="1"/>
+          </p:cNvSpPr>
+          <p:nvPr>
+            <p:ph type="title"/>
+          </p:nvPr>
+        </p:nvSpPr>
+        <p:spPr/>
+        <p:txBody>
+          <a:bodyPr>
+            <a:normAutofit/>
+          </a:bodyPr>
+          <a:lstStyle/>
+          <a:p>
+            <a:r>
+              <a:rPr lang="en-US" altLang="zh-CN" sz="4000" dirty="0">
+                <a:solidFill>
+                  <a:schemeClr val="bg2"/>
+                </a:solidFill>
+                <a:effectLst/>
+                <a:ea typeface="Calibri" panose="020F0502020204030204" pitchFamily="34" charset="0"/>
+              </a:rPr>
+              <a:t> self-evaluation</a:t>
+            </a:r>
+            <a:endParaRPr lang="zh-CN" altLang="en-US" sz="4000" dirty="0">
+              <a:solidFill>
+                <a:schemeClr val="bg2"/>
+              </a:solidFill>
+            </a:endParaRPr>
+          </a:p>
+        </p:txBody>
+      </p:sp>
+      <p:sp>
+        <p:nvSpPr>
+          <p:cNvPr id="3" name="内容占位符 2">
+            <a:extLst>
+              <a:ext uri="{FF2B5EF4-FFF2-40B4-BE49-F238E27FC236}">
+                <a16:creationId xmlns:a16="http://schemas.microsoft.com/office/drawing/2014/main" id="{B96172BA-1F20-6518-5414-D2C13C0410AD}"/>
+              </a:ext>
+            </a:extLst>
+          </p:cNvPr>
+          <p:cNvSpPr>
+            <a:spLocks noGrp="1"/>
+          </p:cNvSpPr>
+          <p:nvPr>
+            <p:ph idx="1"/>
+          </p:nvPr>
+        </p:nvSpPr>
+        <p:spPr/>
+        <p:txBody>
+          <a:bodyPr>
+            <a:normAutofit/>
+          </a:bodyPr>
+          <a:lstStyle/>
+          <a:p>
+            <a:pPr rtl="0" fontAlgn="ctr">
+              <a:spcBef>
+                <a:spcPts val="0"/>
+              </a:spcBef>
+              <a:spcAft>
+                <a:spcPts val="0"/>
+              </a:spcAft>
+              <a:buFont typeface="+mj-lt"/>
+              <a:buAutoNum type="arabicPeriod"/>
+            </a:pPr>
+            <a:r>
+              <a:rPr lang="en-US" altLang="zh-CN" b="0" i="0" dirty="0">
+                <a:solidFill>
+                  <a:schemeClr val="bg2"/>
+                </a:solidFill>
+                <a:effectLst/>
+                <a:latin typeface="Calibri" panose="020F0502020204030204" pitchFamily="34" charset="0"/>
+                <a:ea typeface="Calibri" panose="020F0502020204030204" pitchFamily="34" charset="0"/>
+              </a:rPr>
+              <a:t>Is your database created correctly? ____________</a:t>
+            </a:r>
+            <a:endParaRPr lang="en-US" altLang="zh-CN" b="0" i="0" dirty="0">
+              <a:solidFill>
+                <a:schemeClr val="bg2"/>
+              </a:solidFill>
+              <a:effectLst/>
+              <a:ea typeface="Calibri" panose="020F0502020204030204" pitchFamily="34" charset="0"/>
+            </a:endParaRPr>
+          </a:p>
+          <a:p>
+            <a:pPr rtl="0" fontAlgn="ctr">
+              <a:spcBef>
+                <a:spcPts val="0"/>
+              </a:spcBef>
+              <a:spcAft>
+                <a:spcPts val="0"/>
+              </a:spcAft>
+              <a:buFont typeface="+mj-lt"/>
+              <a:buAutoNum type="arabicPeriod"/>
+            </a:pPr>
+            <a:r>
+              <a:rPr lang="en-US" altLang="zh-CN" b="0" i="0" dirty="0">
+                <a:solidFill>
+                  <a:schemeClr val="bg2"/>
+                </a:solidFill>
+                <a:effectLst/>
+                <a:latin typeface="Calibri" panose="020F0502020204030204" pitchFamily="34" charset="0"/>
+                <a:ea typeface="Calibri" panose="020F0502020204030204" pitchFamily="34" charset="0"/>
+              </a:rPr>
+              <a:t>Can you create the UI? ____________</a:t>
+            </a:r>
+            <a:endParaRPr lang="en-US" altLang="zh-CN" b="0" i="0" dirty="0">
+              <a:solidFill>
+                <a:schemeClr val="bg2"/>
+              </a:solidFill>
+              <a:effectLst/>
+              <a:ea typeface="Calibri" panose="020F0502020204030204" pitchFamily="34" charset="0"/>
+            </a:endParaRPr>
+          </a:p>
+          <a:p>
+            <a:pPr rtl="0" fontAlgn="ctr">
+              <a:spcBef>
+                <a:spcPts val="0"/>
+              </a:spcBef>
+              <a:spcAft>
+                <a:spcPts val="0"/>
+              </a:spcAft>
+              <a:buFont typeface="+mj-lt"/>
+              <a:buAutoNum type="arabicPeriod"/>
+            </a:pPr>
+            <a:r>
+              <a:rPr lang="en-US" altLang="zh-CN" b="0" i="0" dirty="0">
+                <a:solidFill>
+                  <a:schemeClr val="bg2"/>
+                </a:solidFill>
+                <a:effectLst/>
+                <a:latin typeface="Calibri" panose="020F0502020204030204" pitchFamily="34" charset="0"/>
+                <a:ea typeface="Calibri" panose="020F0502020204030204" pitchFamily="34" charset="0"/>
+              </a:rPr>
+              <a:t>Can you connect to the database? ______</a:t>
+            </a:r>
+            <a:endParaRPr lang="en-US" altLang="zh-CN" b="0" i="0" dirty="0">
+              <a:solidFill>
+                <a:schemeClr val="bg2"/>
+              </a:solidFill>
+              <a:effectLst/>
+              <a:ea typeface="Calibri" panose="020F0502020204030204" pitchFamily="34" charset="0"/>
+            </a:endParaRPr>
+          </a:p>
+          <a:p>
+            <a:pPr rtl="0" fontAlgn="ctr">
+              <a:spcBef>
+                <a:spcPts val="0"/>
+              </a:spcBef>
+              <a:spcAft>
+                <a:spcPts val="0"/>
+              </a:spcAft>
+              <a:buFont typeface="+mj-lt"/>
+              <a:buAutoNum type="arabicPeriod"/>
+            </a:pPr>
+            <a:r>
+              <a:rPr lang="en-US" altLang="zh-CN" b="0" i="0" dirty="0">
+                <a:solidFill>
+                  <a:schemeClr val="bg2"/>
+                </a:solidFill>
+                <a:effectLst/>
+                <a:latin typeface="Calibri" panose="020F0502020204030204" pitchFamily="34" charset="0"/>
+                <a:ea typeface="Calibri" panose="020F0502020204030204" pitchFamily="34" charset="0"/>
+              </a:rPr>
+              <a:t>Is the View button implemented correctly? _______________</a:t>
+            </a:r>
+            <a:endParaRPr lang="en-US" altLang="zh-CN" b="0" i="0" dirty="0">
+              <a:solidFill>
+                <a:schemeClr val="bg2"/>
+              </a:solidFill>
+              <a:effectLst/>
+              <a:ea typeface="Calibri" panose="020F0502020204030204" pitchFamily="34" charset="0"/>
+            </a:endParaRPr>
+          </a:p>
+          <a:p>
+            <a:pPr rtl="0" fontAlgn="ctr">
+              <a:spcBef>
+                <a:spcPts val="0"/>
+              </a:spcBef>
+              <a:spcAft>
+                <a:spcPts val="0"/>
+              </a:spcAft>
+              <a:buFont typeface="+mj-lt"/>
+              <a:buAutoNum type="arabicPeriod"/>
+            </a:pPr>
+            <a:r>
+              <a:rPr lang="en-US" altLang="zh-CN" b="0" i="0" dirty="0">
+                <a:solidFill>
+                  <a:schemeClr val="bg2"/>
+                </a:solidFill>
+                <a:effectLst/>
+                <a:latin typeface="Calibri" panose="020F0502020204030204" pitchFamily="34" charset="0"/>
+                <a:ea typeface="Calibri" panose="020F0502020204030204" pitchFamily="34" charset="0"/>
+              </a:rPr>
+              <a:t>Is the Insert button implemented correctly? ________</a:t>
+            </a:r>
+            <a:endParaRPr lang="en-US" altLang="zh-CN" b="0" i="0" dirty="0">
+              <a:solidFill>
+                <a:schemeClr val="bg2"/>
+              </a:solidFill>
+              <a:effectLst/>
+              <a:ea typeface="Calibri" panose="020F0502020204030204" pitchFamily="34" charset="0"/>
+            </a:endParaRPr>
+          </a:p>
+          <a:p>
+            <a:pPr rtl="0" fontAlgn="ctr">
+              <a:spcBef>
+                <a:spcPts val="0"/>
+              </a:spcBef>
+              <a:spcAft>
+                <a:spcPts val="0"/>
+              </a:spcAft>
+              <a:buFont typeface="+mj-lt"/>
+              <a:buAutoNum type="arabicPeriod"/>
+            </a:pPr>
+            <a:r>
+              <a:rPr lang="en-US" altLang="zh-CN" b="0" i="0" dirty="0">
+                <a:solidFill>
+                  <a:schemeClr val="bg2"/>
+                </a:solidFill>
+                <a:effectLst/>
+                <a:latin typeface="Calibri" panose="020F0502020204030204" pitchFamily="34" charset="0"/>
+                <a:ea typeface="Calibri" panose="020F0502020204030204" pitchFamily="34" charset="0"/>
+              </a:rPr>
+              <a:t>Is the Update button implemented correctly? ________</a:t>
+            </a:r>
+            <a:endParaRPr lang="en-US" altLang="zh-CN" b="0" i="0" dirty="0">
+              <a:solidFill>
+                <a:schemeClr val="bg2"/>
+              </a:solidFill>
+              <a:effectLst/>
+              <a:ea typeface="Calibri" panose="020F0502020204030204" pitchFamily="34" charset="0"/>
+            </a:endParaRPr>
+          </a:p>
+          <a:p>
+            <a:pPr rtl="0" fontAlgn="ctr">
+              <a:spcBef>
+                <a:spcPts val="0"/>
+              </a:spcBef>
+              <a:spcAft>
+                <a:spcPts val="0"/>
+              </a:spcAft>
+              <a:buFont typeface="+mj-lt"/>
+              <a:buAutoNum type="arabicPeriod"/>
+            </a:pPr>
+            <a:r>
+              <a:rPr lang="en-US" altLang="zh-CN" b="0" i="0" dirty="0">
+                <a:solidFill>
+                  <a:schemeClr val="bg2"/>
+                </a:solidFill>
+                <a:effectLst/>
+                <a:latin typeface="Calibri" panose="020F0502020204030204" pitchFamily="34" charset="0"/>
+                <a:ea typeface="Calibri" panose="020F0502020204030204" pitchFamily="34" charset="0"/>
+              </a:rPr>
+              <a:t>Is the Clear button implemented correctly? ________</a:t>
+            </a:r>
+            <a:endParaRPr lang="en-US" altLang="zh-CN" sz="1800" dirty="0">
+              <a:solidFill>
+                <a:schemeClr val="bg2"/>
+              </a:solidFill>
+              <a:effectLst/>
+              <a:ea typeface="Calibri" panose="020F0502020204030204" pitchFamily="34" charset="0"/>
+            </a:endParaRPr>
+          </a:p>
+          <a:p>
+            <a:endParaRPr lang="zh-CN" altLang="en-US" dirty="0">
+              <a:solidFill>
+                <a:schemeClr val="bg2"/>
+              </a:solidFill>
+            </a:endParaRPr>
+          </a:p>
+        </p:txBody>
+      </p:sp>
+      <p:pic>
+        <p:nvPicPr>
+          <p:cNvPr id="1030" name="Picture 6" descr="home-loan-pre-approval">
+            <a:extLst>
+              <a:ext uri="{FF2B5EF4-FFF2-40B4-BE49-F238E27FC236}">
+                <a16:creationId xmlns:a16="http://schemas.microsoft.com/office/drawing/2014/main" id="{72813953-4202-DBD8-DFAD-4545EFDE0CBE}"/>
+              </a:ext>
+            </a:extLst>
+          </p:cNvPr>
+          <p:cNvPicPr>
+            <a:picLocks noChangeAspect="1" noChangeArrowheads="1"/>
+          </p:cNvPicPr>
+          <p:nvPr/>
+        </p:nvPicPr>
+        <p:blipFill>
+          <a:blip r:embed="rId3">
+            <a:extLst>
+              <a:ext uri="{28A0092B-C50C-407E-A947-70E740481C1C}">
+                <a14:useLocalDpi xmlns:a14="http://schemas.microsoft.com/office/drawing/2010/main" val="0"/>
+              </a:ext>
+            </a:extLst>
+          </a:blip>
+          <a:srcRect/>
+          <a:stretch>
+            <a:fillRect/>
+          </a:stretch>
+        </p:blipFill>
+        <p:spPr bwMode="auto">
+          <a:xfrm>
+            <a:off x="8325034" y="4456127"/>
+            <a:ext cx="3443743" cy="1962427"/>
+          </a:xfrm>
+          <a:prstGeom prst="rect">
+            <a:avLst/>
+          </a:prstGeom>
+          <a:noFill/>
+          <a:extLst>
+            <a:ext uri="{909E8E84-426E-40DD-AFC4-6F175D3DCCD1}">
+              <a14:hiddenFill xmlns:a14="http://schemas.microsoft.com/office/drawing/2010/main">
+                <a:solidFill>
+                  <a:srgbClr val="FFFFFF"/>
+                </a:solidFill>
+              </a14:hiddenFill>
+            </a:ext>
+          </a:extLst>
+        </p:spPr>
+      </p:pic>
+    </p:spTree>
+    <p:extLst>
+      <p:ext uri="{BB962C8B-B14F-4D97-AF65-F5344CB8AC3E}">
+        <p14:creationId xmlns:p14="http://schemas.microsoft.com/office/powerpoint/2010/main" val="4098100586"/>
+      </p:ext>
+    </p:extLst>
+  </p:cSld>
+  <p:clrMapOvr>
+    <a:masterClrMapping/>
+  </p:clrMapOvr>
+</p:sld>
+</file>
+
+<file path=ppt/slides/slide41.xml><?xml version="1.0" encoding="utf-8"?>
 <p:sld xmlns:a="http://schemas.openxmlformats.org/drawingml/2006/main" xmlns:r="http://schemas.openxmlformats.org/officeDocument/2006/relationships" xmlns:p="http://schemas.openxmlformats.org/presentationml/2006/main">
   <p:cSld>
     <p:spTree>
